--- a/template_apresentacao_autoware.pptx
+++ b/template_apresentacao_autoware.pptx
@@ -8,30 +8,31 @@
     <p:sldId id="256" r:id="rId2"/>
     <p:sldId id="258" r:id="rId3"/>
     <p:sldId id="273" r:id="rId4"/>
-    <p:sldId id="260" r:id="rId5"/>
-    <p:sldId id="261" r:id="rId6"/>
-    <p:sldId id="274" r:id="rId7"/>
-    <p:sldId id="275" r:id="rId8"/>
-    <p:sldId id="276" r:id="rId9"/>
-    <p:sldId id="277" r:id="rId10"/>
-    <p:sldId id="278" r:id="rId11"/>
-    <p:sldId id="280" r:id="rId12"/>
-    <p:sldId id="279" r:id="rId13"/>
-    <p:sldId id="281" r:id="rId14"/>
-    <p:sldId id="286" r:id="rId15"/>
-    <p:sldId id="285" r:id="rId16"/>
-    <p:sldId id="284" r:id="rId17"/>
-    <p:sldId id="283" r:id="rId18"/>
-    <p:sldId id="282" r:id="rId19"/>
-    <p:sldId id="287" r:id="rId20"/>
-    <p:sldId id="288" r:id="rId21"/>
-    <p:sldId id="289" r:id="rId22"/>
-    <p:sldId id="290" r:id="rId23"/>
-    <p:sldId id="291" r:id="rId24"/>
-    <p:sldId id="292" r:id="rId25"/>
-    <p:sldId id="293" r:id="rId26"/>
-    <p:sldId id="294" r:id="rId27"/>
-    <p:sldId id="270" r:id="rId28"/>
+    <p:sldId id="295" r:id="rId5"/>
+    <p:sldId id="260" r:id="rId6"/>
+    <p:sldId id="261" r:id="rId7"/>
+    <p:sldId id="274" r:id="rId8"/>
+    <p:sldId id="275" r:id="rId9"/>
+    <p:sldId id="276" r:id="rId10"/>
+    <p:sldId id="277" r:id="rId11"/>
+    <p:sldId id="278" r:id="rId12"/>
+    <p:sldId id="280" r:id="rId13"/>
+    <p:sldId id="279" r:id="rId14"/>
+    <p:sldId id="281" r:id="rId15"/>
+    <p:sldId id="286" r:id="rId16"/>
+    <p:sldId id="285" r:id="rId17"/>
+    <p:sldId id="284" r:id="rId18"/>
+    <p:sldId id="283" r:id="rId19"/>
+    <p:sldId id="282" r:id="rId20"/>
+    <p:sldId id="287" r:id="rId21"/>
+    <p:sldId id="288" r:id="rId22"/>
+    <p:sldId id="289" r:id="rId23"/>
+    <p:sldId id="290" r:id="rId24"/>
+    <p:sldId id="291" r:id="rId25"/>
+    <p:sldId id="292" r:id="rId26"/>
+    <p:sldId id="293" r:id="rId27"/>
+    <p:sldId id="294" r:id="rId28"/>
+    <p:sldId id="270" r:id="rId29"/>
   </p:sldIdLst>
   <p:sldSz cx="12192000" cy="6858000"/>
   <p:notesSz cx="6858000" cy="9144000"/>
@@ -285,7 +286,7 @@
           <a:p>
             <a:fld id="{836B5180-CD5B-421E-B60A-FFF355E68546}" type="datetimeFigureOut">
               <a:rPr lang="pt-BR" smtClean="0"/>
-              <a:t>13/05/2024</a:t>
+              <a:t>14/05/2024</a:t>
             </a:fld>
             <a:endParaRPr lang="pt-BR"/>
           </a:p>
@@ -483,7 +484,7 @@
           <a:p>
             <a:fld id="{836B5180-CD5B-421E-B60A-FFF355E68546}" type="datetimeFigureOut">
               <a:rPr lang="pt-BR" smtClean="0"/>
-              <a:t>13/05/2024</a:t>
+              <a:t>14/05/2024</a:t>
             </a:fld>
             <a:endParaRPr lang="pt-BR"/>
           </a:p>
@@ -691,7 +692,7 @@
           <a:p>
             <a:fld id="{836B5180-CD5B-421E-B60A-FFF355E68546}" type="datetimeFigureOut">
               <a:rPr lang="pt-BR" smtClean="0"/>
-              <a:t>13/05/2024</a:t>
+              <a:t>14/05/2024</a:t>
             </a:fld>
             <a:endParaRPr lang="pt-BR"/>
           </a:p>
@@ -889,7 +890,7 @@
           <a:p>
             <a:fld id="{836B5180-CD5B-421E-B60A-FFF355E68546}" type="datetimeFigureOut">
               <a:rPr lang="pt-BR" smtClean="0"/>
-              <a:t>13/05/2024</a:t>
+              <a:t>14/05/2024</a:t>
             </a:fld>
             <a:endParaRPr lang="pt-BR"/>
           </a:p>
@@ -1164,7 +1165,7 @@
           <a:p>
             <a:fld id="{836B5180-CD5B-421E-B60A-FFF355E68546}" type="datetimeFigureOut">
               <a:rPr lang="pt-BR" smtClean="0"/>
-              <a:t>13/05/2024</a:t>
+              <a:t>14/05/2024</a:t>
             </a:fld>
             <a:endParaRPr lang="pt-BR"/>
           </a:p>
@@ -1429,7 +1430,7 @@
           <a:p>
             <a:fld id="{836B5180-CD5B-421E-B60A-FFF355E68546}" type="datetimeFigureOut">
               <a:rPr lang="pt-BR" smtClean="0"/>
-              <a:t>13/05/2024</a:t>
+              <a:t>14/05/2024</a:t>
             </a:fld>
             <a:endParaRPr lang="pt-BR"/>
           </a:p>
@@ -1841,7 +1842,7 @@
           <a:p>
             <a:fld id="{836B5180-CD5B-421E-B60A-FFF355E68546}" type="datetimeFigureOut">
               <a:rPr lang="pt-BR" smtClean="0"/>
-              <a:t>13/05/2024</a:t>
+              <a:t>14/05/2024</a:t>
             </a:fld>
             <a:endParaRPr lang="pt-BR"/>
           </a:p>
@@ -1982,7 +1983,7 @@
           <a:p>
             <a:fld id="{836B5180-CD5B-421E-B60A-FFF355E68546}" type="datetimeFigureOut">
               <a:rPr lang="pt-BR" smtClean="0"/>
-              <a:t>13/05/2024</a:t>
+              <a:t>14/05/2024</a:t>
             </a:fld>
             <a:endParaRPr lang="pt-BR"/>
           </a:p>
@@ -2095,7 +2096,7 @@
           <a:p>
             <a:fld id="{836B5180-CD5B-421E-B60A-FFF355E68546}" type="datetimeFigureOut">
               <a:rPr lang="pt-BR" smtClean="0"/>
-              <a:t>13/05/2024</a:t>
+              <a:t>14/05/2024</a:t>
             </a:fld>
             <a:endParaRPr lang="pt-BR"/>
           </a:p>
@@ -2406,7 +2407,7 @@
           <a:p>
             <a:fld id="{836B5180-CD5B-421E-B60A-FFF355E68546}" type="datetimeFigureOut">
               <a:rPr lang="pt-BR" smtClean="0"/>
-              <a:t>13/05/2024</a:t>
+              <a:t>14/05/2024</a:t>
             </a:fld>
             <a:endParaRPr lang="pt-BR"/>
           </a:p>
@@ -2694,7 +2695,7 @@
           <a:p>
             <a:fld id="{836B5180-CD5B-421E-B60A-FFF355E68546}" type="datetimeFigureOut">
               <a:rPr lang="pt-BR" smtClean="0"/>
-              <a:t>13/05/2024</a:t>
+              <a:t>14/05/2024</a:t>
             </a:fld>
             <a:endParaRPr lang="pt-BR"/>
           </a:p>
@@ -2935,7 +2936,7 @@
           <a:p>
             <a:fld id="{836B5180-CD5B-421E-B60A-FFF355E68546}" type="datetimeFigureOut">
               <a:rPr lang="pt-BR" smtClean="0"/>
-              <a:t>13/05/2024</a:t>
+              <a:t>14/05/2024</a:t>
             </a:fld>
             <a:endParaRPr lang="pt-BR"/>
           </a:p>
@@ -3606,10 +3607,10 @@
       </p:sp>
       <p:pic>
         <p:nvPicPr>
-          <p:cNvPr id="9" name="Imagem 8">
-            <a:extLst>
-              <a:ext uri="{FF2B5EF4-FFF2-40B4-BE49-F238E27FC236}">
-                <a16:creationId xmlns:a16="http://schemas.microsoft.com/office/drawing/2014/main" id="{BAD9E3DE-6F4D-E0F4-22F9-BDD43BA19784}"/>
+          <p:cNvPr id="5" name="Imagem 4">
+            <a:extLst>
+              <a:ext uri="{FF2B5EF4-FFF2-40B4-BE49-F238E27FC236}">
+                <a16:creationId xmlns:a16="http://schemas.microsoft.com/office/drawing/2014/main" id="{9C86EDD6-0071-0399-4823-3D20F0A85980}"/>
               </a:ext>
             </a:extLst>
           </p:cNvPr>
@@ -3626,8 +3627,8 @@
         </p:blipFill>
         <p:spPr>
           <a:xfrm>
-            <a:off x="1578677" y="2348613"/>
-            <a:ext cx="9034646" cy="2160774"/>
+            <a:off x="2670806" y="2190978"/>
+            <a:ext cx="6850387" cy="2476043"/>
           </a:xfrm>
           <a:prstGeom prst="rect">
             <a:avLst/>
@@ -3637,7 +3638,7 @@
     </p:spTree>
     <p:extLst>
       <p:ext uri="{BB962C8B-B14F-4D97-AF65-F5344CB8AC3E}">
-        <p14:creationId xmlns:p14="http://schemas.microsoft.com/office/powerpoint/2010/main" val="4116891183"/>
+        <p14:creationId xmlns:p14="http://schemas.microsoft.com/office/powerpoint/2010/main" val="39264907"/>
       </p:ext>
     </p:extLst>
   </p:cSld>
@@ -3752,10 +3753,10 @@
       </p:sp>
       <p:pic>
         <p:nvPicPr>
-          <p:cNvPr id="3" name="Imagem 2">
-            <a:extLst>
-              <a:ext uri="{FF2B5EF4-FFF2-40B4-BE49-F238E27FC236}">
-                <a16:creationId xmlns:a16="http://schemas.microsoft.com/office/drawing/2014/main" id="{9C0F1627-3EB5-CF93-2E9D-677F6398F499}"/>
+          <p:cNvPr id="9" name="Imagem 8">
+            <a:extLst>
+              <a:ext uri="{FF2B5EF4-FFF2-40B4-BE49-F238E27FC236}">
+                <a16:creationId xmlns:a16="http://schemas.microsoft.com/office/drawing/2014/main" id="{BAD9E3DE-6F4D-E0F4-22F9-BDD43BA19784}"/>
               </a:ext>
             </a:extLst>
           </p:cNvPr>
@@ -3772,8 +3773,8 @@
         </p:blipFill>
         <p:spPr>
           <a:xfrm>
-            <a:off x="319225" y="3005137"/>
-            <a:ext cx="11711183" cy="1173756"/>
+            <a:off x="1578677" y="2348613"/>
+            <a:ext cx="9034646" cy="2160774"/>
           </a:xfrm>
           <a:prstGeom prst="rect">
             <a:avLst/>
@@ -3783,7 +3784,7 @@
     </p:spTree>
     <p:extLst>
       <p:ext uri="{BB962C8B-B14F-4D97-AF65-F5344CB8AC3E}">
-        <p14:creationId xmlns:p14="http://schemas.microsoft.com/office/powerpoint/2010/main" val="920382791"/>
+        <p14:creationId xmlns:p14="http://schemas.microsoft.com/office/powerpoint/2010/main" val="4116891183"/>
       </p:ext>
     </p:extLst>
   </p:cSld>
@@ -3882,7 +3883,7 @@
                 </a:solidFill>
                 <a:latin typeface="Alte Haas Grotesk" panose="02000503000000020004" pitchFamily="2" charset="0"/>
               </a:rPr>
-              <a:t>Ends</a:t>
+              <a:t>String</a:t>
             </a:r>
             <a:r>
               <a:rPr lang="pt-BR" sz="3600" b="1" dirty="0">
@@ -3891,23 +3892,8 @@
                 </a:solidFill>
                 <a:latin typeface="Alte Haas Grotesk" panose="02000503000000020004" pitchFamily="2" charset="0"/>
               </a:rPr>
-              <a:t> </a:t>
-            </a:r>
-            <a:r>
-              <a:rPr lang="pt-BR" sz="3600" b="1" dirty="0" err="1">
-                <a:solidFill>
-                  <a:srgbClr val="D2AE6D"/>
-                </a:solidFill>
-                <a:latin typeface="Alte Haas Grotesk" panose="02000503000000020004" pitchFamily="2" charset="0"/>
-              </a:rPr>
-              <a:t>String</a:t>
-            </a:r>
-            <a:endParaRPr lang="pt-BR" sz="3600" b="1" dirty="0">
-              <a:solidFill>
-                <a:srgbClr val="D2AE6D"/>
-              </a:solidFill>
-              <a:latin typeface="Alte Haas Grotesk" panose="02000503000000020004" pitchFamily="2" charset="0"/>
-            </a:endParaRPr>
+              <a:t> Compare</a:t>
+            </a:r>
           </a:p>
         </p:txBody>
       </p:sp>
@@ -3916,7 +3902,7 @@
           <p:cNvPr id="3" name="Imagem 2">
             <a:extLst>
               <a:ext uri="{FF2B5EF4-FFF2-40B4-BE49-F238E27FC236}">
-                <a16:creationId xmlns:a16="http://schemas.microsoft.com/office/drawing/2014/main" id="{D02DB331-52D0-B820-25F4-65296BCDB381}"/>
+                <a16:creationId xmlns:a16="http://schemas.microsoft.com/office/drawing/2014/main" id="{9C0F1627-3EB5-CF93-2E9D-677F6398F499}"/>
               </a:ext>
             </a:extLst>
           </p:cNvPr>
@@ -3933,8 +3919,8 @@
         </p:blipFill>
         <p:spPr>
           <a:xfrm>
-            <a:off x="1982625" y="1351254"/>
-            <a:ext cx="8212508" cy="4148298"/>
+            <a:off x="319225" y="3005137"/>
+            <a:ext cx="11711183" cy="1173756"/>
           </a:xfrm>
           <a:prstGeom prst="rect">
             <a:avLst/>
@@ -3944,7 +3930,7 @@
     </p:spTree>
     <p:extLst>
       <p:ext uri="{BB962C8B-B14F-4D97-AF65-F5344CB8AC3E}">
-        <p14:creationId xmlns:p14="http://schemas.microsoft.com/office/powerpoint/2010/main" val="3056494835"/>
+        <p14:creationId xmlns:p14="http://schemas.microsoft.com/office/powerpoint/2010/main" val="920382791"/>
       </p:ext>
     </p:extLst>
   </p:cSld>
@@ -4077,7 +4063,7 @@
           <p:cNvPr id="3" name="Imagem 2">
             <a:extLst>
               <a:ext uri="{FF2B5EF4-FFF2-40B4-BE49-F238E27FC236}">
-                <a16:creationId xmlns:a16="http://schemas.microsoft.com/office/drawing/2014/main" id="{4A27F241-AE64-9F73-88B7-B9D6CA6FEC7A}"/>
+                <a16:creationId xmlns:a16="http://schemas.microsoft.com/office/drawing/2014/main" id="{D02DB331-52D0-B820-25F4-65296BCDB381}"/>
               </a:ext>
             </a:extLst>
           </p:cNvPr>
@@ -4094,8 +4080,8 @@
         </p:blipFill>
         <p:spPr>
           <a:xfrm>
-            <a:off x="1956987" y="1289101"/>
-            <a:ext cx="8383424" cy="4334287"/>
+            <a:off x="1982625" y="1351254"/>
+            <a:ext cx="8212508" cy="4148298"/>
           </a:xfrm>
           <a:prstGeom prst="rect">
             <a:avLst/>
@@ -4105,7 +4091,7 @@
     </p:spTree>
     <p:extLst>
       <p:ext uri="{BB962C8B-B14F-4D97-AF65-F5344CB8AC3E}">
-        <p14:creationId xmlns:p14="http://schemas.microsoft.com/office/powerpoint/2010/main" val="896190222"/>
+        <p14:creationId xmlns:p14="http://schemas.microsoft.com/office/powerpoint/2010/main" val="3056494835"/>
       </p:ext>
     </p:extLst>
   </p:cSld>
@@ -4238,7 +4224,7 @@
           <p:cNvPr id="3" name="Imagem 2">
             <a:extLst>
               <a:ext uri="{FF2B5EF4-FFF2-40B4-BE49-F238E27FC236}">
-                <a16:creationId xmlns:a16="http://schemas.microsoft.com/office/drawing/2014/main" id="{EF3CEE8A-F0F2-E534-FE5E-22A3AF0A9273}"/>
+                <a16:creationId xmlns:a16="http://schemas.microsoft.com/office/drawing/2014/main" id="{4A27F241-AE64-9F73-88B7-B9D6CA6FEC7A}"/>
               </a:ext>
             </a:extLst>
           </p:cNvPr>
@@ -4255,8 +4241,8 @@
         </p:blipFill>
         <p:spPr>
           <a:xfrm>
-            <a:off x="404507" y="2871388"/>
-            <a:ext cx="11513828" cy="1128044"/>
+            <a:off x="1956987" y="1289101"/>
+            <a:ext cx="8383424" cy="4334287"/>
           </a:xfrm>
           <a:prstGeom prst="rect">
             <a:avLst/>
@@ -4266,7 +4252,7 @@
     </p:spTree>
     <p:extLst>
       <p:ext uri="{BB962C8B-B14F-4D97-AF65-F5344CB8AC3E}">
-        <p14:creationId xmlns:p14="http://schemas.microsoft.com/office/powerpoint/2010/main" val="3132285177"/>
+        <p14:creationId xmlns:p14="http://schemas.microsoft.com/office/powerpoint/2010/main" val="896190222"/>
       </p:ext>
     </p:extLst>
   </p:cSld>
@@ -4365,7 +4351,25 @@
                 </a:solidFill>
                 <a:latin typeface="Alte Haas Grotesk" panose="02000503000000020004" pitchFamily="2" charset="0"/>
               </a:rPr>
-              <a:t>Equality</a:t>
+              <a:t>Ends</a:t>
+            </a:r>
+            <a:r>
+              <a:rPr lang="pt-BR" sz="3600" b="1" dirty="0">
+                <a:solidFill>
+                  <a:srgbClr val="D2AE6D"/>
+                </a:solidFill>
+                <a:latin typeface="Alte Haas Grotesk" panose="02000503000000020004" pitchFamily="2" charset="0"/>
+              </a:rPr>
+              <a:t> </a:t>
+            </a:r>
+            <a:r>
+              <a:rPr lang="pt-BR" sz="3600" b="1" dirty="0" err="1">
+                <a:solidFill>
+                  <a:srgbClr val="D2AE6D"/>
+                </a:solidFill>
+                <a:latin typeface="Alte Haas Grotesk" panose="02000503000000020004" pitchFamily="2" charset="0"/>
+              </a:rPr>
+              <a:t>String</a:t>
             </a:r>
             <a:endParaRPr lang="pt-BR" sz="3600" b="1" dirty="0">
               <a:solidFill>
@@ -4381,7 +4385,7 @@
           <p:cNvPr id="3" name="Imagem 2">
             <a:extLst>
               <a:ext uri="{FF2B5EF4-FFF2-40B4-BE49-F238E27FC236}">
-                <a16:creationId xmlns:a16="http://schemas.microsoft.com/office/drawing/2014/main" id="{AB0B160E-1758-CE56-07EA-8912FA69E8B2}"/>
+                <a16:creationId xmlns:a16="http://schemas.microsoft.com/office/drawing/2014/main" id="{EF3CEE8A-F0F2-E534-FE5E-22A3AF0A9273}"/>
               </a:ext>
             </a:extLst>
           </p:cNvPr>
@@ -4398,8 +4402,8 @@
         </p:blipFill>
         <p:spPr>
           <a:xfrm>
-            <a:off x="1108910" y="1657883"/>
-            <a:ext cx="9986212" cy="3546505"/>
+            <a:off x="404507" y="2871388"/>
+            <a:ext cx="11513828" cy="1128044"/>
           </a:xfrm>
           <a:prstGeom prst="rect">
             <a:avLst/>
@@ -4409,7 +4413,7 @@
     </p:spTree>
     <p:extLst>
       <p:ext uri="{BB962C8B-B14F-4D97-AF65-F5344CB8AC3E}">
-        <p14:creationId xmlns:p14="http://schemas.microsoft.com/office/powerpoint/2010/main" val="3187458093"/>
+        <p14:creationId xmlns:p14="http://schemas.microsoft.com/office/powerpoint/2010/main" val="3132285177"/>
       </p:ext>
     </p:extLst>
   </p:cSld>
@@ -4524,7 +4528,7 @@
           <p:cNvPr id="3" name="Imagem 2">
             <a:extLst>
               <a:ext uri="{FF2B5EF4-FFF2-40B4-BE49-F238E27FC236}">
-                <a16:creationId xmlns:a16="http://schemas.microsoft.com/office/drawing/2014/main" id="{E2DE8D6C-5896-AE0F-8176-F2D04EFC5D45}"/>
+                <a16:creationId xmlns:a16="http://schemas.microsoft.com/office/drawing/2014/main" id="{AB0B160E-1758-CE56-07EA-8912FA69E8B2}"/>
               </a:ext>
             </a:extLst>
           </p:cNvPr>
@@ -4541,8 +4545,8 @@
         </p:blipFill>
         <p:spPr>
           <a:xfrm>
-            <a:off x="887948" y="1572426"/>
-            <a:ext cx="10332200" cy="3683238"/>
+            <a:off x="1108910" y="1657883"/>
+            <a:ext cx="9986212" cy="3546505"/>
           </a:xfrm>
           <a:prstGeom prst="rect">
             <a:avLst/>
@@ -4552,7 +4556,7 @@
     </p:spTree>
     <p:extLst>
       <p:ext uri="{BB962C8B-B14F-4D97-AF65-F5344CB8AC3E}">
-        <p14:creationId xmlns:p14="http://schemas.microsoft.com/office/powerpoint/2010/main" val="2579939685"/>
+        <p14:creationId xmlns:p14="http://schemas.microsoft.com/office/powerpoint/2010/main" val="3187458093"/>
       </p:ext>
     </p:extLst>
   </p:cSld>
@@ -4667,7 +4671,7 @@
           <p:cNvPr id="3" name="Imagem 2">
             <a:extLst>
               <a:ext uri="{FF2B5EF4-FFF2-40B4-BE49-F238E27FC236}">
-                <a16:creationId xmlns:a16="http://schemas.microsoft.com/office/drawing/2014/main" id="{B29D989E-EE6E-BE4E-14B4-1A7FB7CB1601}"/>
+                <a16:creationId xmlns:a16="http://schemas.microsoft.com/office/drawing/2014/main" id="{E2DE8D6C-5896-AE0F-8176-F2D04EFC5D45}"/>
               </a:ext>
             </a:extLst>
           </p:cNvPr>
@@ -4684,8 +4688,8 @@
         </p:blipFill>
         <p:spPr>
           <a:xfrm>
-            <a:off x="157657" y="3057524"/>
-            <a:ext cx="11495817" cy="1104278"/>
+            <a:off x="887948" y="1572426"/>
+            <a:ext cx="10332200" cy="3683238"/>
           </a:xfrm>
           <a:prstGeom prst="rect">
             <a:avLst/>
@@ -4695,7 +4699,7 @@
     </p:spTree>
     <p:extLst>
       <p:ext uri="{BB962C8B-B14F-4D97-AF65-F5344CB8AC3E}">
-        <p14:creationId xmlns:p14="http://schemas.microsoft.com/office/powerpoint/2010/main" val="4127106759"/>
+        <p14:creationId xmlns:p14="http://schemas.microsoft.com/office/powerpoint/2010/main" val="2579939685"/>
       </p:ext>
     </p:extLst>
   </p:cSld>
@@ -4794,17 +4798,14 @@
                 </a:solidFill>
                 <a:latin typeface="Alte Haas Grotesk" panose="02000503000000020004" pitchFamily="2" charset="0"/>
               </a:rPr>
-              <a:t>Name</a:t>
-            </a:r>
-            <a:r>
-              <a:rPr lang="pt-BR" sz="3600" b="1" dirty="0">
-                <a:solidFill>
-                  <a:srgbClr val="D2AE6D"/>
-                </a:solidFill>
-                <a:latin typeface="Alte Haas Grotesk" panose="02000503000000020004" pitchFamily="2" charset="0"/>
-              </a:rPr>
-              <a:t> Enum</a:t>
-            </a:r>
+              <a:t>Equality</a:t>
+            </a:r>
+            <a:endParaRPr lang="pt-BR" sz="3600" b="1" dirty="0">
+              <a:solidFill>
+                <a:srgbClr val="D2AE6D"/>
+              </a:solidFill>
+              <a:latin typeface="Alte Haas Grotesk" panose="02000503000000020004" pitchFamily="2" charset="0"/>
+            </a:endParaRPr>
           </a:p>
         </p:txBody>
       </p:sp>
@@ -4813,7 +4814,7 @@
           <p:cNvPr id="3" name="Imagem 2">
             <a:extLst>
               <a:ext uri="{FF2B5EF4-FFF2-40B4-BE49-F238E27FC236}">
-                <a16:creationId xmlns:a16="http://schemas.microsoft.com/office/drawing/2014/main" id="{BCB88666-8B4C-ABBC-7E33-DF0041565C0F}"/>
+                <a16:creationId xmlns:a16="http://schemas.microsoft.com/office/drawing/2014/main" id="{B29D989E-EE6E-BE4E-14B4-1A7FB7CB1601}"/>
               </a:ext>
             </a:extLst>
           </p:cNvPr>
@@ -4830,8 +4831,8 @@
         </p:blipFill>
         <p:spPr>
           <a:xfrm>
-            <a:off x="1768979" y="1432904"/>
-            <a:ext cx="9118363" cy="4206387"/>
+            <a:off x="157657" y="3057524"/>
+            <a:ext cx="11495817" cy="1104278"/>
           </a:xfrm>
           <a:prstGeom prst="rect">
             <a:avLst/>
@@ -4841,7 +4842,7 @@
     </p:spTree>
     <p:extLst>
       <p:ext uri="{BB962C8B-B14F-4D97-AF65-F5344CB8AC3E}">
-        <p14:creationId xmlns:p14="http://schemas.microsoft.com/office/powerpoint/2010/main" val="1902518130"/>
+        <p14:creationId xmlns:p14="http://schemas.microsoft.com/office/powerpoint/2010/main" val="4127106759"/>
       </p:ext>
     </p:extLst>
   </p:cSld>
@@ -4956,10 +4957,10 @@
       </p:sp>
       <p:pic>
         <p:nvPicPr>
-          <p:cNvPr id="4" name="Imagem 3">
-            <a:extLst>
-              <a:ext uri="{FF2B5EF4-FFF2-40B4-BE49-F238E27FC236}">
-                <a16:creationId xmlns:a16="http://schemas.microsoft.com/office/drawing/2014/main" id="{8436658D-7468-B6C8-ECE7-47C01CECA754}"/>
+          <p:cNvPr id="3" name="Imagem 2">
+            <a:extLst>
+              <a:ext uri="{FF2B5EF4-FFF2-40B4-BE49-F238E27FC236}">
+                <a16:creationId xmlns:a16="http://schemas.microsoft.com/office/drawing/2014/main" id="{BCB88666-8B4C-ABBC-7E33-DF0041565C0F}"/>
               </a:ext>
             </a:extLst>
           </p:cNvPr>
@@ -4976,8 +4977,8 @@
         </p:blipFill>
         <p:spPr>
           <a:xfrm>
-            <a:off x="1478422" y="1393441"/>
-            <a:ext cx="9537107" cy="4204228"/>
+            <a:off x="1768979" y="1432904"/>
+            <a:ext cx="9118363" cy="4206387"/>
           </a:xfrm>
           <a:prstGeom prst="rect">
             <a:avLst/>
@@ -4987,7 +4988,7 @@
     </p:spTree>
     <p:extLst>
       <p:ext uri="{BB962C8B-B14F-4D97-AF65-F5344CB8AC3E}">
-        <p14:creationId xmlns:p14="http://schemas.microsoft.com/office/powerpoint/2010/main" val="1252752796"/>
+        <p14:creationId xmlns:p14="http://schemas.microsoft.com/office/powerpoint/2010/main" val="1902518130"/>
       </p:ext>
     </p:extLst>
   </p:cSld>
@@ -5266,7 +5267,7 @@
           <p:cNvPr id="4" name="Imagem 3">
             <a:extLst>
               <a:ext uri="{FF2B5EF4-FFF2-40B4-BE49-F238E27FC236}">
-                <a16:creationId xmlns:a16="http://schemas.microsoft.com/office/drawing/2014/main" id="{0460F736-BF86-5FEB-3901-08F57E793CBA}"/>
+                <a16:creationId xmlns:a16="http://schemas.microsoft.com/office/drawing/2014/main" id="{8436658D-7468-B6C8-ECE7-47C01CECA754}"/>
               </a:ext>
             </a:extLst>
           </p:cNvPr>
@@ -5283,8 +5284,8 @@
         </p:blipFill>
         <p:spPr>
           <a:xfrm>
-            <a:off x="428662" y="2820112"/>
-            <a:ext cx="11533534" cy="1239140"/>
+            <a:off x="1478422" y="1393441"/>
+            <a:ext cx="9537107" cy="4204228"/>
           </a:xfrm>
           <a:prstGeom prst="rect">
             <a:avLst/>
@@ -5294,7 +5295,7 @@
     </p:spTree>
     <p:extLst>
       <p:ext uri="{BB962C8B-B14F-4D97-AF65-F5344CB8AC3E}">
-        <p14:creationId xmlns:p14="http://schemas.microsoft.com/office/powerpoint/2010/main" val="1598586338"/>
+        <p14:creationId xmlns:p14="http://schemas.microsoft.com/office/powerpoint/2010/main" val="1252752796"/>
       </p:ext>
     </p:extLst>
   </p:cSld>
@@ -5393,7 +5394,7 @@
                 </a:solidFill>
                 <a:latin typeface="Alte Haas Grotesk" panose="02000503000000020004" pitchFamily="2" charset="0"/>
               </a:rPr>
-              <a:t>Order</a:t>
+              <a:t>Name</a:t>
             </a:r>
             <a:r>
               <a:rPr lang="pt-BR" sz="3600" b="1" dirty="0">
@@ -5402,32 +5403,17 @@
                 </a:solidFill>
                 <a:latin typeface="Alte Haas Grotesk" panose="02000503000000020004" pitchFamily="2" charset="0"/>
               </a:rPr>
-              <a:t> </a:t>
-            </a:r>
-            <a:r>
-              <a:rPr lang="pt-BR" sz="3600" b="1" dirty="0" err="1">
-                <a:solidFill>
-                  <a:srgbClr val="D2AE6D"/>
-                </a:solidFill>
-                <a:latin typeface="Alte Haas Grotesk" panose="02000503000000020004" pitchFamily="2" charset="0"/>
-              </a:rPr>
-              <a:t>By</a:t>
-            </a:r>
-            <a:endParaRPr lang="pt-BR" sz="3600" b="1" dirty="0">
-              <a:solidFill>
-                <a:srgbClr val="D2AE6D"/>
-              </a:solidFill>
-              <a:latin typeface="Alte Haas Grotesk" panose="02000503000000020004" pitchFamily="2" charset="0"/>
-            </a:endParaRPr>
+              <a:t> Enum</a:t>
+            </a:r>
           </a:p>
         </p:txBody>
       </p:sp>
       <p:pic>
         <p:nvPicPr>
-          <p:cNvPr id="3" name="Imagem 2">
-            <a:extLst>
-              <a:ext uri="{FF2B5EF4-FFF2-40B4-BE49-F238E27FC236}">
-                <a16:creationId xmlns:a16="http://schemas.microsoft.com/office/drawing/2014/main" id="{2D98A796-52C9-FDFA-22EC-88D37B875ACD}"/>
+          <p:cNvPr id="4" name="Imagem 3">
+            <a:extLst>
+              <a:ext uri="{FF2B5EF4-FFF2-40B4-BE49-F238E27FC236}">
+                <a16:creationId xmlns:a16="http://schemas.microsoft.com/office/drawing/2014/main" id="{0460F736-BF86-5FEB-3901-08F57E793CBA}"/>
               </a:ext>
             </a:extLst>
           </p:cNvPr>
@@ -5444,8 +5430,8 @@
         </p:blipFill>
         <p:spPr>
           <a:xfrm>
-            <a:off x="2623128" y="1252127"/>
-            <a:ext cx="6945744" cy="4353746"/>
+            <a:off x="428662" y="2820112"/>
+            <a:ext cx="11533534" cy="1239140"/>
           </a:xfrm>
           <a:prstGeom prst="rect">
             <a:avLst/>
@@ -5455,7 +5441,7 @@
     </p:spTree>
     <p:extLst>
       <p:ext uri="{BB962C8B-B14F-4D97-AF65-F5344CB8AC3E}">
-        <p14:creationId xmlns:p14="http://schemas.microsoft.com/office/powerpoint/2010/main" val="957566916"/>
+        <p14:creationId xmlns:p14="http://schemas.microsoft.com/office/powerpoint/2010/main" val="1598586338"/>
       </p:ext>
     </p:extLst>
   </p:cSld>
@@ -5588,7 +5574,7 @@
           <p:cNvPr id="3" name="Imagem 2">
             <a:extLst>
               <a:ext uri="{FF2B5EF4-FFF2-40B4-BE49-F238E27FC236}">
-                <a16:creationId xmlns:a16="http://schemas.microsoft.com/office/drawing/2014/main" id="{87974DF1-E916-8F05-F36D-8EE7F2D4F982}"/>
+                <a16:creationId xmlns:a16="http://schemas.microsoft.com/office/drawing/2014/main" id="{2D98A796-52C9-FDFA-22EC-88D37B875ACD}"/>
               </a:ext>
             </a:extLst>
           </p:cNvPr>
@@ -5605,8 +5591,8 @@
         </p:blipFill>
         <p:spPr>
           <a:xfrm>
-            <a:off x="2877128" y="1330561"/>
-            <a:ext cx="6437744" cy="4196877"/>
+            <a:off x="2623128" y="1252127"/>
+            <a:ext cx="6945744" cy="4353746"/>
           </a:xfrm>
           <a:prstGeom prst="rect">
             <a:avLst/>
@@ -5616,7 +5602,7 @@
     </p:spTree>
     <p:extLst>
       <p:ext uri="{BB962C8B-B14F-4D97-AF65-F5344CB8AC3E}">
-        <p14:creationId xmlns:p14="http://schemas.microsoft.com/office/powerpoint/2010/main" val="2079052354"/>
+        <p14:creationId xmlns:p14="http://schemas.microsoft.com/office/powerpoint/2010/main" val="957566916"/>
       </p:ext>
     </p:extLst>
   </p:cSld>
@@ -5749,7 +5735,7 @@
           <p:cNvPr id="3" name="Imagem 2">
             <a:extLst>
               <a:ext uri="{FF2B5EF4-FFF2-40B4-BE49-F238E27FC236}">
-                <a16:creationId xmlns:a16="http://schemas.microsoft.com/office/drawing/2014/main" id="{24E8315E-B911-D1FA-FA20-E17FA07A2EC3}"/>
+                <a16:creationId xmlns:a16="http://schemas.microsoft.com/office/drawing/2014/main" id="{87974DF1-E916-8F05-F36D-8EE7F2D4F982}"/>
               </a:ext>
             </a:extLst>
           </p:cNvPr>
@@ -5766,8 +5752,8 @@
         </p:blipFill>
         <p:spPr>
           <a:xfrm>
-            <a:off x="431008" y="2799556"/>
-            <a:ext cx="11329983" cy="1258887"/>
+            <a:off x="2877128" y="1330561"/>
+            <a:ext cx="6437744" cy="4196877"/>
           </a:xfrm>
           <a:prstGeom prst="rect">
             <a:avLst/>
@@ -5777,7 +5763,7 @@
     </p:spTree>
     <p:extLst>
       <p:ext uri="{BB962C8B-B14F-4D97-AF65-F5344CB8AC3E}">
-        <p14:creationId xmlns:p14="http://schemas.microsoft.com/office/powerpoint/2010/main" val="2532886642"/>
+        <p14:creationId xmlns:p14="http://schemas.microsoft.com/office/powerpoint/2010/main" val="2079052354"/>
       </p:ext>
     </p:extLst>
   </p:cSld>
@@ -5870,14 +5856,38 @@
           <a:p>
             <a:pPr algn="ctr"/>
             <a:r>
+              <a:rPr lang="pt-BR" sz="3600" b="1" dirty="0" err="1">
+                <a:solidFill>
+                  <a:srgbClr val="D2AE6D"/>
+                </a:solidFill>
+                <a:latin typeface="Alte Haas Grotesk" panose="02000503000000020004" pitchFamily="2" charset="0"/>
+              </a:rPr>
+              <a:t>Order</a:t>
+            </a:r>
+            <a:r>
               <a:rPr lang="pt-BR" sz="3600" b="1" dirty="0">
                 <a:solidFill>
                   <a:srgbClr val="D2AE6D"/>
                 </a:solidFill>
                 <a:latin typeface="Alte Haas Grotesk" panose="02000503000000020004" pitchFamily="2" charset="0"/>
               </a:rPr>
-              <a:t>Tracking</a:t>
-            </a:r>
+              <a:t> </a:t>
+            </a:r>
+            <a:r>
+              <a:rPr lang="pt-BR" sz="3600" b="1" dirty="0" err="1">
+                <a:solidFill>
+                  <a:srgbClr val="D2AE6D"/>
+                </a:solidFill>
+                <a:latin typeface="Alte Haas Grotesk" panose="02000503000000020004" pitchFamily="2" charset="0"/>
+              </a:rPr>
+              <a:t>By</a:t>
+            </a:r>
+            <a:endParaRPr lang="pt-BR" sz="3600" b="1" dirty="0">
+              <a:solidFill>
+                <a:srgbClr val="D2AE6D"/>
+              </a:solidFill>
+              <a:latin typeface="Alte Haas Grotesk" panose="02000503000000020004" pitchFamily="2" charset="0"/>
+            </a:endParaRPr>
           </a:p>
         </p:txBody>
       </p:sp>
@@ -5886,7 +5896,7 @@
           <p:cNvPr id="3" name="Imagem 2">
             <a:extLst>
               <a:ext uri="{FF2B5EF4-FFF2-40B4-BE49-F238E27FC236}">
-                <a16:creationId xmlns:a16="http://schemas.microsoft.com/office/drawing/2014/main" id="{7FCDE2CF-F970-B50D-6E66-374009473F1B}"/>
+                <a16:creationId xmlns:a16="http://schemas.microsoft.com/office/drawing/2014/main" id="{24E8315E-B911-D1FA-FA20-E17FA07A2EC3}"/>
               </a:ext>
             </a:extLst>
           </p:cNvPr>
@@ -5903,8 +5913,8 @@
         </p:blipFill>
         <p:spPr>
           <a:xfrm>
-            <a:off x="587144" y="2232854"/>
-            <a:ext cx="11017711" cy="2392292"/>
+            <a:off x="431008" y="2799556"/>
+            <a:ext cx="11329983" cy="1258887"/>
           </a:xfrm>
           <a:prstGeom prst="rect">
             <a:avLst/>
@@ -5914,7 +5924,7 @@
     </p:spTree>
     <p:extLst>
       <p:ext uri="{BB962C8B-B14F-4D97-AF65-F5344CB8AC3E}">
-        <p14:creationId xmlns:p14="http://schemas.microsoft.com/office/powerpoint/2010/main" val="1719776867"/>
+        <p14:creationId xmlns:p14="http://schemas.microsoft.com/office/powerpoint/2010/main" val="2532886642"/>
       </p:ext>
     </p:extLst>
   </p:cSld>
@@ -6023,7 +6033,7 @@
           <p:cNvPr id="3" name="Imagem 2">
             <a:extLst>
               <a:ext uri="{FF2B5EF4-FFF2-40B4-BE49-F238E27FC236}">
-                <a16:creationId xmlns:a16="http://schemas.microsoft.com/office/drawing/2014/main" id="{D64CF393-98C7-1DD1-914E-5F8F9549C50F}"/>
+                <a16:creationId xmlns:a16="http://schemas.microsoft.com/office/drawing/2014/main" id="{7FCDE2CF-F970-B50D-6E66-374009473F1B}"/>
               </a:ext>
             </a:extLst>
           </p:cNvPr>
@@ -6040,8 +6050,8 @@
         </p:blipFill>
         <p:spPr>
           <a:xfrm>
-            <a:off x="638537" y="2468418"/>
-            <a:ext cx="10914926" cy="1921163"/>
+            <a:off x="587144" y="2232854"/>
+            <a:ext cx="11017711" cy="2392292"/>
           </a:xfrm>
           <a:prstGeom prst="rect">
             <a:avLst/>
@@ -6051,7 +6061,7 @@
     </p:spTree>
     <p:extLst>
       <p:ext uri="{BB962C8B-B14F-4D97-AF65-F5344CB8AC3E}">
-        <p14:creationId xmlns:p14="http://schemas.microsoft.com/office/powerpoint/2010/main" val="1229000922"/>
+        <p14:creationId xmlns:p14="http://schemas.microsoft.com/office/powerpoint/2010/main" val="1719776867"/>
       </p:ext>
     </p:extLst>
   </p:cSld>
@@ -6160,6 +6170,143 @@
           <p:cNvPr id="3" name="Imagem 2">
             <a:extLst>
               <a:ext uri="{FF2B5EF4-FFF2-40B4-BE49-F238E27FC236}">
+                <a16:creationId xmlns:a16="http://schemas.microsoft.com/office/drawing/2014/main" id="{D64CF393-98C7-1DD1-914E-5F8F9549C50F}"/>
+              </a:ext>
+            </a:extLst>
+          </p:cNvPr>
+          <p:cNvPicPr>
+            <a:picLocks noChangeAspect="1"/>
+          </p:cNvPicPr>
+          <p:nvPr/>
+        </p:nvPicPr>
+        <p:blipFill>
+          <a:blip r:embed="rId3"/>
+          <a:stretch>
+            <a:fillRect/>
+          </a:stretch>
+        </p:blipFill>
+        <p:spPr>
+          <a:xfrm>
+            <a:off x="638537" y="2468418"/>
+            <a:ext cx="10914926" cy="1921163"/>
+          </a:xfrm>
+          <a:prstGeom prst="rect">
+            <a:avLst/>
+          </a:prstGeom>
+        </p:spPr>
+      </p:pic>
+    </p:spTree>
+    <p:extLst>
+      <p:ext uri="{BB962C8B-B14F-4D97-AF65-F5344CB8AC3E}">
+        <p14:creationId xmlns:p14="http://schemas.microsoft.com/office/powerpoint/2010/main" val="1229000922"/>
+      </p:ext>
+    </p:extLst>
+  </p:cSld>
+  <p:clrMapOvr>
+    <a:masterClrMapping/>
+  </p:clrMapOvr>
+</p:sld>
+</file>
+
+<file path=ppt/slides/slide27.xml><?xml version="1.0" encoding="utf-8"?>
+<p:sld xmlns:a="http://schemas.openxmlformats.org/drawingml/2006/main" xmlns:r="http://schemas.openxmlformats.org/officeDocument/2006/relationships" xmlns:p="http://schemas.openxmlformats.org/presentationml/2006/main">
+  <p:cSld>
+    <p:spTree>
+      <p:nvGrpSpPr>
+        <p:cNvPr id="1" name=""/>
+        <p:cNvGrpSpPr/>
+        <p:nvPr/>
+      </p:nvGrpSpPr>
+      <p:grpSpPr>
+        <a:xfrm>
+          <a:off x="0" y="0"/>
+          <a:ext cx="0" cy="0"/>
+          <a:chOff x="0" y="0"/>
+          <a:chExt cx="0" cy="0"/>
+        </a:xfrm>
+      </p:grpSpPr>
+      <p:pic>
+        <p:nvPicPr>
+          <p:cNvPr id="8" name="Imagem 7">
+            <a:extLst>
+              <a:ext uri="{FF2B5EF4-FFF2-40B4-BE49-F238E27FC236}">
+                <a16:creationId xmlns:a16="http://schemas.microsoft.com/office/drawing/2014/main" id="{58811B2A-2EF5-75D0-E6A6-8DF630E73600}"/>
+              </a:ext>
+            </a:extLst>
+          </p:cNvPr>
+          <p:cNvPicPr>
+            <a:picLocks noChangeAspect="1"/>
+          </p:cNvPicPr>
+          <p:nvPr/>
+        </p:nvPicPr>
+        <p:blipFill>
+          <a:blip r:embed="rId2">
+            <a:extLst>
+              <a:ext uri="{28A0092B-C50C-407E-A947-70E740481C1C}">
+                <a14:useLocalDpi xmlns:a14="http://schemas.microsoft.com/office/drawing/2010/main" val="0"/>
+              </a:ext>
+            </a:extLst>
+          </a:blip>
+          <a:stretch>
+            <a:fillRect/>
+          </a:stretch>
+        </p:blipFill>
+        <p:spPr>
+          <a:xfrm>
+            <a:off x="2708" y="0"/>
+            <a:ext cx="12186584" cy="6858000"/>
+          </a:xfrm>
+          <a:prstGeom prst="rect">
+            <a:avLst/>
+          </a:prstGeom>
+        </p:spPr>
+      </p:pic>
+      <p:sp>
+        <p:nvSpPr>
+          <p:cNvPr id="7" name="CaixaDeTexto 6">
+            <a:extLst>
+              <a:ext uri="{FF2B5EF4-FFF2-40B4-BE49-F238E27FC236}">
+                <a16:creationId xmlns:a16="http://schemas.microsoft.com/office/drawing/2014/main" id="{3B9E86B4-089C-5426-0120-0EF072D18985}"/>
+              </a:ext>
+            </a:extLst>
+          </p:cNvPr>
+          <p:cNvSpPr txBox="1"/>
+          <p:nvPr/>
+        </p:nvSpPr>
+        <p:spPr>
+          <a:xfrm>
+            <a:off x="0" y="282091"/>
+            <a:ext cx="12192000" cy="646331"/>
+          </a:xfrm>
+          <a:prstGeom prst="rect">
+            <a:avLst/>
+          </a:prstGeom>
+          <a:noFill/>
+        </p:spPr>
+        <p:txBody>
+          <a:bodyPr wrap="square" rtlCol="0">
+            <a:spAutoFit/>
+          </a:bodyPr>
+          <a:lstStyle/>
+          <a:p>
+            <a:pPr algn="ctr"/>
+            <a:r>
+              <a:rPr lang="pt-BR" sz="3600" b="1" dirty="0">
+                <a:solidFill>
+                  <a:srgbClr val="D2AE6D"/>
+                </a:solidFill>
+                <a:latin typeface="Alte Haas Grotesk" panose="02000503000000020004" pitchFamily="2" charset="0"/>
+              </a:rPr>
+              <a:t>Tracking</a:t>
+            </a:r>
+          </a:p>
+        </p:txBody>
+      </p:sp>
+      <p:pic>
+        <p:nvPicPr>
+          <p:cNvPr id="3" name="Imagem 2">
+            <a:extLst>
+              <a:ext uri="{FF2B5EF4-FFF2-40B4-BE49-F238E27FC236}">
                 <a16:creationId xmlns:a16="http://schemas.microsoft.com/office/drawing/2014/main" id="{0D1D7DD6-CA61-2502-24EE-653AB3BCC239}"/>
               </a:ext>
             </a:extLst>
@@ -6198,7 +6345,7 @@
 </p:sld>
 </file>
 
-<file path=ppt/slides/slide27.xml><?xml version="1.0" encoding="utf-8"?>
+<file path=ppt/slides/slide28.xml><?xml version="1.0" encoding="utf-8"?>
 <p:sld xmlns:a="http://schemas.openxmlformats.org/drawingml/2006/main" xmlns:r="http://schemas.openxmlformats.org/officeDocument/2006/relationships" xmlns:p="http://schemas.openxmlformats.org/presentationml/2006/main">
   <p:cSld>
     <p:spTree>
@@ -6533,6 +6680,53 @@
       </p:pic>
       <p:sp>
         <p:nvSpPr>
+          <p:cNvPr id="6" name="CaixaDeTexto 5">
+            <a:extLst>
+              <a:ext uri="{FF2B5EF4-FFF2-40B4-BE49-F238E27FC236}">
+                <a16:creationId xmlns:a16="http://schemas.microsoft.com/office/drawing/2014/main" id="{95A45216-2EBC-9A81-66AD-DB4905FD3FD2}"/>
+              </a:ext>
+            </a:extLst>
+          </p:cNvPr>
+          <p:cNvSpPr txBox="1"/>
+          <p:nvPr/>
+        </p:nvSpPr>
+        <p:spPr>
+          <a:xfrm>
+            <a:off x="1403929" y="1210513"/>
+            <a:ext cx="10141526" cy="2610843"/>
+          </a:xfrm>
+          <a:prstGeom prst="rect">
+            <a:avLst/>
+          </a:prstGeom>
+          <a:noFill/>
+        </p:spPr>
+        <p:txBody>
+          <a:bodyPr wrap="square" rtlCol="0">
+            <a:spAutoFit/>
+          </a:bodyPr>
+          <a:lstStyle/>
+          <a:p>
+            <a:pPr marL="457200" indent="-457200" algn="just">
+              <a:lnSpc>
+                <a:spcPct val="150000"/>
+              </a:lnSpc>
+              <a:buFont typeface="Arial" panose="020B0604020202020204" pitchFamily="34" charset="0"/>
+              <a:buChar char="•"/>
+            </a:pPr>
+            <a:r>
+              <a:rPr lang="pt-BR" sz="2800" dirty="0">
+                <a:solidFill>
+                  <a:srgbClr val="212529"/>
+                </a:solidFill>
+                <a:latin typeface="Alte Haas Grotesk" panose="02000503000000020004"/>
+              </a:rPr>
+              <a:t>É o ato de executar um programa de computador, um conjunto de programas ou outras operações, a fim de avaliar o desempenho relativo de um objeto, normalmente executando uma série de testes padrão e ensaios nele.</a:t>
+            </a:r>
+          </a:p>
+        </p:txBody>
+      </p:sp>
+      <p:sp>
+        <p:nvSpPr>
           <p:cNvPr id="7" name="CaixaDeTexto 6">
             <a:extLst>
               <a:ext uri="{FF2B5EF4-FFF2-40B4-BE49-F238E27FC236}">
@@ -6567,83 +6761,7 @@
                 </a:solidFill>
                 <a:latin typeface="Alte Haas Grotesk" panose="02000503000000020004" pitchFamily="2" charset="0"/>
               </a:rPr>
-              <a:t>Performance</a:t>
-            </a:r>
-          </a:p>
-        </p:txBody>
-      </p:sp>
-      <p:pic>
-        <p:nvPicPr>
-          <p:cNvPr id="3" name="Imagem 2">
-            <a:extLst>
-              <a:ext uri="{FF2B5EF4-FFF2-40B4-BE49-F238E27FC236}">
-                <a16:creationId xmlns:a16="http://schemas.microsoft.com/office/drawing/2014/main" id="{3FFD9321-0D5F-B7C9-78C9-9F75B38E289C}"/>
-              </a:ext>
-            </a:extLst>
-          </p:cNvPr>
-          <p:cNvPicPr>
-            <a:picLocks noChangeAspect="1"/>
-          </p:cNvPicPr>
-          <p:nvPr/>
-        </p:nvPicPr>
-        <p:blipFill>
-          <a:blip r:embed="rId3"/>
-          <a:stretch>
-            <a:fillRect/>
-          </a:stretch>
-        </p:blipFill>
-        <p:spPr>
-          <a:xfrm>
-            <a:off x="1084078" y="2006996"/>
-            <a:ext cx="10023843" cy="2844008"/>
-          </a:xfrm>
-          <a:prstGeom prst="rect">
-            <a:avLst/>
-          </a:prstGeom>
-        </p:spPr>
-      </p:pic>
-      <p:sp>
-        <p:nvSpPr>
-          <p:cNvPr id="4" name="CaixaDeTexto 3">
-            <a:extLst>
-              <a:ext uri="{FF2B5EF4-FFF2-40B4-BE49-F238E27FC236}">
-                <a16:creationId xmlns:a16="http://schemas.microsoft.com/office/drawing/2014/main" id="{BC6B67A7-F1C0-FF97-3505-E7EE4C972516}"/>
-              </a:ext>
-            </a:extLst>
-          </p:cNvPr>
-          <p:cNvSpPr txBox="1"/>
-          <p:nvPr/>
-        </p:nvSpPr>
-        <p:spPr>
-          <a:xfrm>
-            <a:off x="1081370" y="4851004"/>
-            <a:ext cx="6982689" cy="464871"/>
-          </a:xfrm>
-          <a:prstGeom prst="rect">
-            <a:avLst/>
-          </a:prstGeom>
-          <a:noFill/>
-        </p:spPr>
-        <p:txBody>
-          <a:bodyPr wrap="square" rtlCol="0">
-            <a:spAutoFit/>
-          </a:bodyPr>
-          <a:lstStyle/>
-          <a:p>
-            <a:pPr algn="just">
-              <a:lnSpc>
-                <a:spcPct val="150000"/>
-              </a:lnSpc>
-            </a:pPr>
-            <a:r>
-              <a:rPr lang="pt-BR" b="0" i="0" dirty="0">
-                <a:solidFill>
-                  <a:srgbClr val="212529"/>
-                </a:solidFill>
-                <a:effectLst/>
-                <a:latin typeface="Alte Haas Grotesk" panose="02000503000000020004"/>
-              </a:rPr>
-              <a:t>https://benchmarkdotnet.org/index.html</a:t>
+              <a:t>Benchmark</a:t>
             </a:r>
           </a:p>
         </p:txBody>
@@ -6651,7 +6769,7 @@
     </p:spTree>
     <p:extLst>
       <p:ext uri="{BB962C8B-B14F-4D97-AF65-F5344CB8AC3E}">
-        <p14:creationId xmlns:p14="http://schemas.microsoft.com/office/powerpoint/2010/main" val="1821774340"/>
+        <p14:creationId xmlns:p14="http://schemas.microsoft.com/office/powerpoint/2010/main" val="3555016039"/>
       </p:ext>
     </p:extLst>
   </p:cSld>
@@ -6706,7 +6824,7 @@
         </p:blipFill>
         <p:spPr>
           <a:xfrm>
-            <a:off x="2708" y="-690"/>
+            <a:off x="2708" y="0"/>
             <a:ext cx="12186584" cy="6858000"/>
           </a:xfrm>
           <a:prstGeom prst="rect">
@@ -6750,23 +6868,8 @@
                 </a:solidFill>
                 <a:latin typeface="Alte Haas Grotesk" panose="02000503000000020004" pitchFamily="2" charset="0"/>
               </a:rPr>
-              <a:t>Email </a:t>
-            </a:r>
-            <a:r>
-              <a:rPr lang="pt-BR" sz="3600" b="1" dirty="0" err="1">
-                <a:solidFill>
-                  <a:srgbClr val="D2AE6D"/>
-                </a:solidFill>
-                <a:latin typeface="Alte Haas Grotesk" panose="02000503000000020004" pitchFamily="2" charset="0"/>
-              </a:rPr>
-              <a:t>Validator</a:t>
-            </a:r>
-            <a:endParaRPr lang="pt-BR" sz="3600" b="1" dirty="0">
-              <a:solidFill>
-                <a:srgbClr val="D2AE6D"/>
-              </a:solidFill>
-              <a:latin typeface="Alte Haas Grotesk" panose="02000503000000020004" pitchFamily="2" charset="0"/>
-            </a:endParaRPr>
+              <a:t>Performance</a:t>
+            </a:r>
           </a:p>
         </p:txBody>
       </p:sp>
@@ -6775,7 +6878,7 @@
           <p:cNvPr id="3" name="Imagem 2">
             <a:extLst>
               <a:ext uri="{FF2B5EF4-FFF2-40B4-BE49-F238E27FC236}">
-                <a16:creationId xmlns:a16="http://schemas.microsoft.com/office/drawing/2014/main" id="{E227AB67-B59C-AF15-7D40-2C8971B21B2D}"/>
+                <a16:creationId xmlns:a16="http://schemas.microsoft.com/office/drawing/2014/main" id="{3FFD9321-0D5F-B7C9-78C9-9F75B38E289C}"/>
               </a:ext>
             </a:extLst>
           </p:cNvPr>
@@ -6792,18 +6895,64 @@
         </p:blipFill>
         <p:spPr>
           <a:xfrm>
-            <a:off x="1185595" y="1894498"/>
-            <a:ext cx="9820809" cy="3069003"/>
+            <a:off x="1084078" y="2006996"/>
+            <a:ext cx="10023843" cy="2844008"/>
           </a:xfrm>
           <a:prstGeom prst="rect">
             <a:avLst/>
           </a:prstGeom>
         </p:spPr>
       </p:pic>
+      <p:sp>
+        <p:nvSpPr>
+          <p:cNvPr id="4" name="CaixaDeTexto 3">
+            <a:extLst>
+              <a:ext uri="{FF2B5EF4-FFF2-40B4-BE49-F238E27FC236}">
+                <a16:creationId xmlns:a16="http://schemas.microsoft.com/office/drawing/2014/main" id="{BC6B67A7-F1C0-FF97-3505-E7EE4C972516}"/>
+              </a:ext>
+            </a:extLst>
+          </p:cNvPr>
+          <p:cNvSpPr txBox="1"/>
+          <p:nvPr/>
+        </p:nvSpPr>
+        <p:spPr>
+          <a:xfrm>
+            <a:off x="1081370" y="4851004"/>
+            <a:ext cx="6982689" cy="464871"/>
+          </a:xfrm>
+          <a:prstGeom prst="rect">
+            <a:avLst/>
+          </a:prstGeom>
+          <a:noFill/>
+        </p:spPr>
+        <p:txBody>
+          <a:bodyPr wrap="square" rtlCol="0">
+            <a:spAutoFit/>
+          </a:bodyPr>
+          <a:lstStyle/>
+          <a:p>
+            <a:pPr algn="just">
+              <a:lnSpc>
+                <a:spcPct val="150000"/>
+              </a:lnSpc>
+            </a:pPr>
+            <a:r>
+              <a:rPr lang="pt-BR" b="0" i="0" dirty="0">
+                <a:solidFill>
+                  <a:srgbClr val="212529"/>
+                </a:solidFill>
+                <a:effectLst/>
+                <a:latin typeface="Alte Haas Grotesk" panose="02000503000000020004"/>
+              </a:rPr>
+              <a:t>https://benchmarkdotnet.org/index.html</a:t>
+            </a:r>
+          </a:p>
+        </p:txBody>
+      </p:sp>
     </p:spTree>
     <p:extLst>
       <p:ext uri="{BB962C8B-B14F-4D97-AF65-F5344CB8AC3E}">
-        <p14:creationId xmlns:p14="http://schemas.microsoft.com/office/powerpoint/2010/main" val="2560764010"/>
+        <p14:creationId xmlns:p14="http://schemas.microsoft.com/office/powerpoint/2010/main" val="1821774340"/>
       </p:ext>
     </p:extLst>
   </p:cSld>
@@ -6858,7 +7007,7 @@
         </p:blipFill>
         <p:spPr>
           <a:xfrm>
-            <a:off x="2708" y="0"/>
+            <a:off x="2708" y="-690"/>
             <a:ext cx="12186584" cy="6858000"/>
           </a:xfrm>
           <a:prstGeom prst="rect">
@@ -6924,10 +7073,10 @@
       </p:sp>
       <p:pic>
         <p:nvPicPr>
-          <p:cNvPr id="2" name="Imagem 1">
-            <a:extLst>
-              <a:ext uri="{FF2B5EF4-FFF2-40B4-BE49-F238E27FC236}">
-                <a16:creationId xmlns:a16="http://schemas.microsoft.com/office/drawing/2014/main" id="{55DB9C10-CE0A-A267-8A6E-2C0B7349A914}"/>
+          <p:cNvPr id="3" name="Imagem 2">
+            <a:extLst>
+              <a:ext uri="{FF2B5EF4-FFF2-40B4-BE49-F238E27FC236}">
+                <a16:creationId xmlns:a16="http://schemas.microsoft.com/office/drawing/2014/main" id="{E227AB67-B59C-AF15-7D40-2C8971B21B2D}"/>
               </a:ext>
             </a:extLst>
           </p:cNvPr>
@@ -6944,8 +7093,8 @@
         </p:blipFill>
         <p:spPr>
           <a:xfrm>
-            <a:off x="443119" y="2128837"/>
-            <a:ext cx="11305761" cy="2600325"/>
+            <a:off x="1185595" y="1894498"/>
+            <a:ext cx="9820809" cy="3069003"/>
           </a:xfrm>
           <a:prstGeom prst="rect">
             <a:avLst/>
@@ -6955,7 +7104,7 @@
     </p:spTree>
     <p:extLst>
       <p:ext uri="{BB962C8B-B14F-4D97-AF65-F5344CB8AC3E}">
-        <p14:creationId xmlns:p14="http://schemas.microsoft.com/office/powerpoint/2010/main" val="3194634876"/>
+        <p14:creationId xmlns:p14="http://schemas.microsoft.com/office/powerpoint/2010/main" val="2560764010"/>
       </p:ext>
     </p:extLst>
   </p:cSld>
@@ -7076,10 +7225,10 @@
       </p:sp>
       <p:pic>
         <p:nvPicPr>
-          <p:cNvPr id="9" name="Imagem 8">
-            <a:extLst>
-              <a:ext uri="{FF2B5EF4-FFF2-40B4-BE49-F238E27FC236}">
-                <a16:creationId xmlns:a16="http://schemas.microsoft.com/office/drawing/2014/main" id="{E5538119-729C-DF40-897E-267793DA33FA}"/>
+          <p:cNvPr id="2" name="Imagem 1">
+            <a:extLst>
+              <a:ext uri="{FF2B5EF4-FFF2-40B4-BE49-F238E27FC236}">
+                <a16:creationId xmlns:a16="http://schemas.microsoft.com/office/drawing/2014/main" id="{55DB9C10-CE0A-A267-8A6E-2C0B7349A914}"/>
               </a:ext>
             </a:extLst>
           </p:cNvPr>
@@ -7096,8 +7245,8 @@
         </p:blipFill>
         <p:spPr>
           <a:xfrm>
-            <a:off x="2846467" y="1159536"/>
-            <a:ext cx="6499066" cy="5467349"/>
+            <a:off x="443119" y="2128837"/>
+            <a:ext cx="11305761" cy="2600325"/>
           </a:xfrm>
           <a:prstGeom prst="rect">
             <a:avLst/>
@@ -7107,7 +7256,7 @@
     </p:spTree>
     <p:extLst>
       <p:ext uri="{BB962C8B-B14F-4D97-AF65-F5344CB8AC3E}">
-        <p14:creationId xmlns:p14="http://schemas.microsoft.com/office/powerpoint/2010/main" val="3617280327"/>
+        <p14:creationId xmlns:p14="http://schemas.microsoft.com/office/powerpoint/2010/main" val="3194634876"/>
       </p:ext>
     </p:extLst>
   </p:cSld>
@@ -7228,10 +7377,10 @@
       </p:sp>
       <p:pic>
         <p:nvPicPr>
-          <p:cNvPr id="3" name="Imagem 2">
-            <a:extLst>
-              <a:ext uri="{FF2B5EF4-FFF2-40B4-BE49-F238E27FC236}">
-                <a16:creationId xmlns:a16="http://schemas.microsoft.com/office/drawing/2014/main" id="{DA333311-C8AF-3069-EED9-E922226A14F5}"/>
+          <p:cNvPr id="9" name="Imagem 8">
+            <a:extLst>
+              <a:ext uri="{FF2B5EF4-FFF2-40B4-BE49-F238E27FC236}">
+                <a16:creationId xmlns:a16="http://schemas.microsoft.com/office/drawing/2014/main" id="{E5538119-729C-DF40-897E-267793DA33FA}"/>
               </a:ext>
             </a:extLst>
           </p:cNvPr>
@@ -7248,8 +7397,8 @@
         </p:blipFill>
         <p:spPr>
           <a:xfrm>
-            <a:off x="233520" y="2837203"/>
-            <a:ext cx="11682629" cy="1179319"/>
+            <a:off x="2846467" y="1159536"/>
+            <a:ext cx="6499066" cy="5467349"/>
           </a:xfrm>
           <a:prstGeom prst="rect">
             <a:avLst/>
@@ -7259,7 +7408,7 @@
     </p:spTree>
     <p:extLst>
       <p:ext uri="{BB962C8B-B14F-4D97-AF65-F5344CB8AC3E}">
-        <p14:creationId xmlns:p14="http://schemas.microsoft.com/office/powerpoint/2010/main" val="4031812299"/>
+        <p14:creationId xmlns:p14="http://schemas.microsoft.com/office/powerpoint/2010/main" val="3617280327"/>
       </p:ext>
     </p:extLst>
   </p:cSld>
@@ -7352,32 +7501,38 @@
           <a:p>
             <a:pPr algn="ctr"/>
             <a:r>
+              <a:rPr lang="pt-BR" sz="3600" b="1" dirty="0">
+                <a:solidFill>
+                  <a:srgbClr val="D2AE6D"/>
+                </a:solidFill>
+                <a:latin typeface="Alte Haas Grotesk" panose="02000503000000020004" pitchFamily="2" charset="0"/>
+              </a:rPr>
+              <a:t>Email </a:t>
+            </a:r>
+            <a:r>
               <a:rPr lang="pt-BR" sz="3600" b="1" dirty="0" err="1">
                 <a:solidFill>
                   <a:srgbClr val="D2AE6D"/>
                 </a:solidFill>
                 <a:latin typeface="Alte Haas Grotesk" panose="02000503000000020004" pitchFamily="2" charset="0"/>
               </a:rPr>
-              <a:t>String</a:t>
-            </a:r>
-            <a:r>
-              <a:rPr lang="pt-BR" sz="3600" b="1" dirty="0">
-                <a:solidFill>
-                  <a:srgbClr val="D2AE6D"/>
-                </a:solidFill>
-                <a:latin typeface="Alte Haas Grotesk" panose="02000503000000020004" pitchFamily="2" charset="0"/>
-              </a:rPr>
-              <a:t> Compare</a:t>
-            </a:r>
+              <a:t>Validator</a:t>
+            </a:r>
+            <a:endParaRPr lang="pt-BR" sz="3600" b="1" dirty="0">
+              <a:solidFill>
+                <a:srgbClr val="D2AE6D"/>
+              </a:solidFill>
+              <a:latin typeface="Alte Haas Grotesk" panose="02000503000000020004" pitchFamily="2" charset="0"/>
+            </a:endParaRPr>
           </a:p>
         </p:txBody>
       </p:sp>
       <p:pic>
         <p:nvPicPr>
-          <p:cNvPr id="5" name="Imagem 4">
-            <a:extLst>
-              <a:ext uri="{FF2B5EF4-FFF2-40B4-BE49-F238E27FC236}">
-                <a16:creationId xmlns:a16="http://schemas.microsoft.com/office/drawing/2014/main" id="{9C86EDD6-0071-0399-4823-3D20F0A85980}"/>
+          <p:cNvPr id="3" name="Imagem 2">
+            <a:extLst>
+              <a:ext uri="{FF2B5EF4-FFF2-40B4-BE49-F238E27FC236}">
+                <a16:creationId xmlns:a16="http://schemas.microsoft.com/office/drawing/2014/main" id="{DA333311-C8AF-3069-EED9-E922226A14F5}"/>
               </a:ext>
             </a:extLst>
           </p:cNvPr>
@@ -7394,8 +7549,8 @@
         </p:blipFill>
         <p:spPr>
           <a:xfrm>
-            <a:off x="2670806" y="2190978"/>
-            <a:ext cx="6850387" cy="2476043"/>
+            <a:off x="233520" y="2837203"/>
+            <a:ext cx="11682629" cy="1179319"/>
           </a:xfrm>
           <a:prstGeom prst="rect">
             <a:avLst/>
@@ -7405,7 +7560,7 @@
     </p:spTree>
     <p:extLst>
       <p:ext uri="{BB962C8B-B14F-4D97-AF65-F5344CB8AC3E}">
-        <p14:creationId xmlns:p14="http://schemas.microsoft.com/office/powerpoint/2010/main" val="39264907"/>
+        <p14:creationId xmlns:p14="http://schemas.microsoft.com/office/powerpoint/2010/main" val="4031812299"/>
       </p:ext>
     </p:extLst>
   </p:cSld>
